--- a/포폴0515.pptx
+++ b/포폴0515.pptx
@@ -324,7 +324,7 @@
           <a:p>
             <a:fld id="{22DC2647-C259-4EB5-84B8-93A3F8E54DE7}" type="datetimeFigureOut">
               <a:rPr lang="ko-KR" altLang="en-US" smtClean="0"/>
-              <a:t>2021-05-16</a:t>
+              <a:t>2021-05-18</a:t>
             </a:fld>
             <a:endParaRPr lang="ko-KR" altLang="en-US"/>
           </a:p>
@@ -423,7 +423,7 @@
           <a:p>
             <a:fld id="{B440BA11-FEDB-4E64-B4BE-9FDEE8123FE3}" type="datetimeFigureOut">
               <a:rPr lang="ko-KR" altLang="en-US" smtClean="0"/>
-              <a:t>2021-05-16</a:t>
+              <a:t>2021-05-18</a:t>
             </a:fld>
             <a:endParaRPr lang="ko-KR" altLang="en-US"/>
           </a:p>
@@ -821,7 +821,7 @@
           <a:p>
             <a:fld id="{8771C398-EBCC-4210-8AFD-1D056CED0821}" type="datetimeFigureOut">
               <a:rPr lang="ko-KR" altLang="en-US" smtClean="0"/>
-              <a:t>2021-05-16</a:t>
+              <a:t>2021-05-18</a:t>
             </a:fld>
             <a:endParaRPr lang="ko-KR" altLang="en-US"/>
           </a:p>
@@ -991,7 +991,7 @@
           <a:p>
             <a:fld id="{8771C398-EBCC-4210-8AFD-1D056CED0821}" type="datetimeFigureOut">
               <a:rPr lang="ko-KR" altLang="en-US" smtClean="0"/>
-              <a:t>2021-05-16</a:t>
+              <a:t>2021-05-18</a:t>
             </a:fld>
             <a:endParaRPr lang="ko-KR" altLang="en-US"/>
           </a:p>
@@ -1171,7 +1171,7 @@
           <a:p>
             <a:fld id="{8771C398-EBCC-4210-8AFD-1D056CED0821}" type="datetimeFigureOut">
               <a:rPr lang="ko-KR" altLang="en-US" smtClean="0"/>
-              <a:t>2021-05-16</a:t>
+              <a:t>2021-05-18</a:t>
             </a:fld>
             <a:endParaRPr lang="ko-KR" altLang="en-US"/>
           </a:p>
@@ -1341,7 +1341,7 @@
           <a:p>
             <a:fld id="{8771C398-EBCC-4210-8AFD-1D056CED0821}" type="datetimeFigureOut">
               <a:rPr lang="ko-KR" altLang="en-US" smtClean="0"/>
-              <a:t>2021-05-16</a:t>
+              <a:t>2021-05-18</a:t>
             </a:fld>
             <a:endParaRPr lang="ko-KR" altLang="en-US"/>
           </a:p>
@@ -1587,7 +1587,7 @@
           <a:p>
             <a:fld id="{8771C398-EBCC-4210-8AFD-1D056CED0821}" type="datetimeFigureOut">
               <a:rPr lang="ko-KR" altLang="en-US" smtClean="0"/>
-              <a:t>2021-05-16</a:t>
+              <a:t>2021-05-18</a:t>
             </a:fld>
             <a:endParaRPr lang="ko-KR" altLang="en-US"/>
           </a:p>
@@ -1819,7 +1819,7 @@
           <a:p>
             <a:fld id="{8771C398-EBCC-4210-8AFD-1D056CED0821}" type="datetimeFigureOut">
               <a:rPr lang="ko-KR" altLang="en-US" smtClean="0"/>
-              <a:t>2021-05-16</a:t>
+              <a:t>2021-05-18</a:t>
             </a:fld>
             <a:endParaRPr lang="ko-KR" altLang="en-US"/>
           </a:p>
@@ -2186,7 +2186,7 @@
           <a:p>
             <a:fld id="{8771C398-EBCC-4210-8AFD-1D056CED0821}" type="datetimeFigureOut">
               <a:rPr lang="ko-KR" altLang="en-US" smtClean="0"/>
-              <a:t>2021-05-16</a:t>
+              <a:t>2021-05-18</a:t>
             </a:fld>
             <a:endParaRPr lang="ko-KR" altLang="en-US"/>
           </a:p>
@@ -2304,7 +2304,7 @@
           <a:p>
             <a:fld id="{8771C398-EBCC-4210-8AFD-1D056CED0821}" type="datetimeFigureOut">
               <a:rPr lang="ko-KR" altLang="en-US" smtClean="0"/>
-              <a:t>2021-05-16</a:t>
+              <a:t>2021-05-18</a:t>
             </a:fld>
             <a:endParaRPr lang="ko-KR" altLang="en-US"/>
           </a:p>
@@ -2399,7 +2399,7 @@
           <a:p>
             <a:fld id="{8771C398-EBCC-4210-8AFD-1D056CED0821}" type="datetimeFigureOut">
               <a:rPr lang="ko-KR" altLang="en-US" smtClean="0"/>
-              <a:t>2021-05-16</a:t>
+              <a:t>2021-05-18</a:t>
             </a:fld>
             <a:endParaRPr lang="ko-KR" altLang="en-US"/>
           </a:p>
@@ -2676,7 +2676,7 @@
           <a:p>
             <a:fld id="{8771C398-EBCC-4210-8AFD-1D056CED0821}" type="datetimeFigureOut">
               <a:rPr lang="ko-KR" altLang="en-US" smtClean="0"/>
-              <a:t>2021-05-16</a:t>
+              <a:t>2021-05-18</a:t>
             </a:fld>
             <a:endParaRPr lang="ko-KR" altLang="en-US"/>
           </a:p>
@@ -2933,7 +2933,7 @@
           <a:p>
             <a:fld id="{8771C398-EBCC-4210-8AFD-1D056CED0821}" type="datetimeFigureOut">
               <a:rPr lang="ko-KR" altLang="en-US" smtClean="0"/>
-              <a:t>2021-05-16</a:t>
+              <a:t>2021-05-18</a:t>
             </a:fld>
             <a:endParaRPr lang="ko-KR" altLang="en-US"/>
           </a:p>
@@ -3149,7 +3149,7 @@
           <a:p>
             <a:fld id="{8771C398-EBCC-4210-8AFD-1D056CED0821}" type="datetimeFigureOut">
               <a:rPr lang="ko-KR" altLang="en-US" smtClean="0"/>
-              <a:t>2021-05-16</a:t>
+              <a:t>2021-05-18</a:t>
             </a:fld>
             <a:endParaRPr lang="ko-KR" altLang="en-US"/>
           </a:p>
@@ -4987,7 +4987,7 @@
         <p:spPr>
           <a:xfrm>
             <a:off x="8222452" y="1681190"/>
-            <a:ext cx="3143608" cy="3831818"/>
+            <a:ext cx="3143608" cy="3416320"/>
           </a:xfrm>
           <a:prstGeom prst="rect">
             <a:avLst/>
@@ -5073,24 +5073,52 @@
                 <a:latin typeface="경기천년제목 Medium" panose="02020603020101020101" pitchFamily="18" charset="-127"/>
                 <a:ea typeface="경기천년제목 Medium" panose="02020603020101020101" pitchFamily="18" charset="-127"/>
               </a:rPr>
-              <a:t>번째 인덱스에 항상 그 값을 넣도록 설정했으며</a:t>
-            </a:r>
-            <a:r>
-              <a:rPr lang="en-US" altLang="ko-KR" dirty="0">
-                <a:latin typeface="경기천년제목 Medium" panose="02020603020101020101" pitchFamily="18" charset="-127"/>
-                <a:ea typeface="경기천년제목 Medium" panose="02020603020101020101" pitchFamily="18" charset="-127"/>
-              </a:rPr>
-              <a:t>, </a:t>
-            </a:r>
-            <a:r>
-              <a:rPr lang="ko-KR" altLang="en-US" dirty="0">
-                <a:latin typeface="경기천년제목 Medium" panose="02020603020101020101" pitchFamily="18" charset="-127"/>
-                <a:ea typeface="경기천년제목 Medium" panose="02020603020101020101" pitchFamily="18" charset="-127"/>
-              </a:rPr>
-              <a:t>행위에 대한 값과 시간이 함께 남을 수 있도록 오버로딩을 사용하여 데이터 무결성을 높였습니다</a:t>
-            </a:r>
-            <a:r>
-              <a:rPr lang="en-US" altLang="ko-KR" dirty="0">
+              <a:t>번째 인덱스에 항상 그 값을 넣도록 </a:t>
+            </a:r>
+            <a:r>
+              <a:rPr lang="ko-KR" altLang="en-US" dirty="0" smtClean="0">
+                <a:latin typeface="경기천년제목 Medium" panose="02020603020101020101" pitchFamily="18" charset="-127"/>
+                <a:ea typeface="경기천년제목 Medium" panose="02020603020101020101" pitchFamily="18" charset="-127"/>
+              </a:rPr>
+              <a:t>설정하였습니다</a:t>
+            </a:r>
+            <a:r>
+              <a:rPr lang="en-US" altLang="ko-KR" dirty="0" smtClean="0">
+                <a:latin typeface="경기천년제목 Medium" panose="02020603020101020101" pitchFamily="18" charset="-127"/>
+                <a:ea typeface="경기천년제목 Medium" panose="02020603020101020101" pitchFamily="18" charset="-127"/>
+              </a:rPr>
+              <a:t>.</a:t>
+            </a:r>
+          </a:p>
+          <a:p>
+            <a:pPr>
+              <a:lnSpc>
+                <a:spcPct val="150000"/>
+              </a:lnSpc>
+            </a:pPr>
+            <a:r>
+              <a:rPr lang="ko-KR" altLang="en-US" dirty="0" smtClean="0">
+                <a:latin typeface="경기천년제목 Medium" panose="02020603020101020101" pitchFamily="18" charset="-127"/>
+                <a:ea typeface="경기천년제목 Medium" panose="02020603020101020101" pitchFamily="18" charset="-127"/>
+              </a:rPr>
+              <a:t>또한 오버로딩을 활용하여 용도별로 </a:t>
+            </a:r>
+            <a:r>
+              <a:rPr lang="ko-KR" altLang="en-US" dirty="0" err="1" smtClean="0">
+                <a:latin typeface="경기천년제목 Medium" panose="02020603020101020101" pitchFamily="18" charset="-127"/>
+                <a:ea typeface="경기천년제목 Medium" panose="02020603020101020101" pitchFamily="18" charset="-127"/>
+              </a:rPr>
+              <a:t>메소드를</a:t>
+            </a:r>
+            <a:r>
+              <a:rPr lang="ko-KR" altLang="en-US" dirty="0" smtClean="0">
+                <a:latin typeface="경기천년제목 Medium" panose="02020603020101020101" pitchFamily="18" charset="-127"/>
+                <a:ea typeface="경기천년제목 Medium" panose="02020603020101020101" pitchFamily="18" charset="-127"/>
+              </a:rPr>
+              <a:t> 분리하였습니다</a:t>
+            </a:r>
+            <a:r>
+              <a:rPr lang="en-US" altLang="ko-KR" dirty="0" smtClean="0">
                 <a:latin typeface="경기천년제목 Medium" panose="02020603020101020101" pitchFamily="18" charset="-127"/>
                 <a:ea typeface="경기천년제목 Medium" panose="02020603020101020101" pitchFamily="18" charset="-127"/>
               </a:rPr>
